--- a/SE495/Lectures/9-Selection/Off the Shelf Software.pptx
+++ b/SE495/Lectures/9-Selection/Off the Shelf Software.pptx
@@ -220,7 +220,7 @@
           <a:p>
             <a:fld id="{41DA9887-9249-49FD-809A-BACB264048C3}" type="datetimeFigureOut">
               <a:rPr lang="en-US" smtClean="0"/>
-              <a:t>3/7/2023</a:t>
+              <a:t>3/9/2023</a:t>
             </a:fld>
             <a:endParaRPr lang="en-US"/>
           </a:p>
@@ -622,7 +622,7 @@
           <a:p>
             <a:fld id="{EF213E56-3C1A-435A-851B-5B1F221C2038}" type="datetime1">
               <a:rPr lang="en-US" smtClean="0"/>
-              <a:t>3/7/2023</a:t>
+              <a:t>3/9/2023</a:t>
             </a:fld>
             <a:endParaRPr lang="en-US"/>
           </a:p>
@@ -912,7 +912,7 @@
           <a:p>
             <a:fld id="{B4696837-4851-4AA6-8AED-554226C981D1}" type="datetime1">
               <a:rPr lang="en-US" smtClean="0"/>
-              <a:t>3/7/2023</a:t>
+              <a:t>3/9/2023</a:t>
             </a:fld>
             <a:endParaRPr lang="en-US"/>
           </a:p>
@@ -1090,7 +1090,7 @@
           <a:p>
             <a:fld id="{BADD32E1-BB70-4827-BA33-FF5AFC435BE9}" type="datetime1">
               <a:rPr lang="en-US" smtClean="0"/>
-              <a:t>3/7/2023</a:t>
+              <a:t>3/9/2023</a:t>
             </a:fld>
             <a:endParaRPr lang="en-US"/>
           </a:p>
@@ -1333,7 +1333,7 @@
             </a:pPr>
             <a:fld id="{40B9EAF6-54F2-4DF5-9C6B-3F6F95B86356}" type="datetime1">
               <a:rPr lang="en-US" smtClean="0"/>
-              <a:t>3/7/2023</a:t>
+              <a:t>3/9/2023</a:t>
             </a:fld>
             <a:endParaRPr lang="en-US"/>
           </a:p>
@@ -1513,7 +1513,7 @@
             </a:pPr>
             <a:fld id="{D3D64A56-6FF4-479A-8655-719A18A98C4B}" type="datetime1">
               <a:rPr lang="en-US" smtClean="0"/>
-              <a:t>3/7/2023</a:t>
+              <a:t>3/9/2023</a:t>
             </a:fld>
             <a:endParaRPr lang="en-US"/>
           </a:p>
@@ -1789,7 +1789,7 @@
             </a:pPr>
             <a:fld id="{2C98645A-93C6-4520-BD29-7F962E4C026C}" type="datetime1">
               <a:rPr lang="en-US" smtClean="0"/>
-              <a:t>3/7/2023</a:t>
+              <a:t>3/9/2023</a:t>
             </a:fld>
             <a:endParaRPr lang="en-AU"/>
           </a:p>
@@ -2077,7 +2077,7 @@
           <a:p>
             <a:fld id="{BB961044-FC46-4CBC-9061-59528F4899F3}" type="datetime1">
               <a:rPr lang="en-US" smtClean="0"/>
-              <a:t>3/7/2023</a:t>
+              <a:t>3/9/2023</a:t>
             </a:fld>
             <a:endParaRPr lang="en-US"/>
           </a:p>
@@ -2421,7 +2421,7 @@
           <a:p>
             <a:fld id="{4466A08C-77F3-471E-A5C4-1D2068144BAC}" type="datetime1">
               <a:rPr lang="en-US" smtClean="0"/>
-              <a:t>3/7/2023</a:t>
+              <a:t>3/9/2023</a:t>
             </a:fld>
             <a:endParaRPr lang="en-US"/>
           </a:p>
@@ -2650,7 +2650,7 @@
           <a:p>
             <a:fld id="{B90A7AD1-16F4-44C3-AE32-24C59A599E9D}" type="datetime1">
               <a:rPr lang="en-US" smtClean="0"/>
-              <a:t>3/7/2023</a:t>
+              <a:t>3/9/2023</a:t>
             </a:fld>
             <a:endParaRPr lang="en-US"/>
           </a:p>
@@ -3014,7 +3014,7 @@
           <a:p>
             <a:fld id="{B583DB4F-4316-4DF5-A229-BC1D787C82A0}" type="datetime1">
               <a:rPr lang="en-US" smtClean="0"/>
-              <a:t>3/7/2023</a:t>
+              <a:t>3/9/2023</a:t>
             </a:fld>
             <a:endParaRPr lang="en-US"/>
           </a:p>
@@ -3109,7 +3109,7 @@
           <a:p>
             <a:fld id="{AE6064B7-7A9F-432D-B7B9-6824267AA574}" type="datetime1">
               <a:rPr lang="en-US" smtClean="0"/>
-              <a:t>3/7/2023</a:t>
+              <a:t>3/9/2023</a:t>
             </a:fld>
             <a:endParaRPr lang="en-US"/>
           </a:p>
@@ -3331,7 +3331,7 @@
             <a:fld id="{B2F5E2FA-C428-4CE7-95B0-168D3259A5BB}" type="datetimeFigureOut">
               <a:rPr lang="en-US" smtClean="0"/>
               <a:pPr/>
-              <a:t>3/7/2023</a:t>
+              <a:t>3/9/2023</a:t>
             </a:fld>
             <a:endParaRPr lang="en-US"/>
           </a:p>
@@ -3502,7 +3502,7 @@
           <a:p>
             <a:fld id="{4E1C93A2-B712-486A-8AB5-D41B95D547BE}" type="datetime1">
               <a:rPr lang="en-US" smtClean="0"/>
-              <a:t>3/7/2023</a:t>
+              <a:t>3/9/2023</a:t>
             </a:fld>
             <a:endParaRPr lang="en-US"/>
           </a:p>
@@ -3777,7 +3777,7 @@
           <a:p>
             <a:fld id="{CAB2F318-F19F-4608-B7EF-F7FB8A482213}" type="datetime1">
               <a:rPr lang="en-US" smtClean="0"/>
-              <a:t>3/7/2023</a:t>
+              <a:t>3/9/2023</a:t>
             </a:fld>
             <a:endParaRPr lang="en-US"/>
           </a:p>
@@ -4029,7 +4029,7 @@
           <a:p>
             <a:fld id="{BB9CEF8C-69D6-4C3E-B892-F682F307A7B6}" type="datetime1">
               <a:rPr lang="en-US" smtClean="0"/>
-              <a:t>3/7/2023</a:t>
+              <a:t>3/9/2023</a:t>
             </a:fld>
             <a:endParaRPr lang="en-US"/>
           </a:p>
@@ -4240,7 +4240,7 @@
           <a:p>
             <a:fld id="{FB737C73-4A31-4C17-AFB7-7B8470027787}" type="datetime1">
               <a:rPr lang="en-US" smtClean="0"/>
-              <a:t>3/7/2023</a:t>
+              <a:t>3/9/2023</a:t>
             </a:fld>
             <a:endParaRPr lang="en-US"/>
           </a:p>
@@ -6304,46 +6304,55 @@
           </a:bodyPr>
           <a:lstStyle/>
           <a:p>
-            <a:pPr eaLnBrk="1" hangingPunct="1"/>
             <a:r>
               <a:rPr lang="de-DE" altLang="en-US" dirty="0"/>
-              <a:t>Architectures</a:t>
-            </a:r>
-          </a:p>
-          <a:p>
-            <a:pPr eaLnBrk="1" hangingPunct="1"/>
-            <a:r>
-              <a:rPr lang="de-DE" altLang="en-US" dirty="0"/>
-              <a:t>Middleware</a:t>
-            </a:r>
-          </a:p>
-          <a:p>
-            <a:pPr eaLnBrk="1" hangingPunct="1"/>
-            <a:r>
-              <a:rPr lang="de-DE" altLang="en-US" dirty="0"/>
-              <a:t>What is EAI</a:t>
-            </a:r>
-          </a:p>
-          <a:p>
-            <a:pPr eaLnBrk="1" hangingPunct="1"/>
-            <a:r>
-              <a:rPr lang="de-DE" altLang="en-US" dirty="0"/>
-              <a:t>A Typical EAI System</a:t>
-            </a:r>
-          </a:p>
-          <a:p>
-            <a:pPr eaLnBrk="1" hangingPunct="1"/>
-            <a:r>
-              <a:rPr lang="de-DE" altLang="en-US" dirty="0"/>
-              <a:t>EAI Benefits</a:t>
-            </a:r>
-          </a:p>
-          <a:p>
-            <a:pPr eaLnBrk="1" hangingPunct="1"/>
-            <a:r>
-              <a:rPr lang="de-DE" altLang="en-US" dirty="0"/>
-              <a:t>Conclusion</a:t>
-            </a:r>
+              <a:t>What is COTS software</a:t>
+            </a:r>
+            <a:r>
+              <a:rPr lang="de-DE" altLang="en-US" dirty="0" smtClean="0"/>
+              <a:t>?</a:t>
+            </a:r>
+          </a:p>
+          <a:p>
+            <a:r>
+              <a:rPr lang="en-US" dirty="0"/>
+              <a:t>Advantages of COTS </a:t>
+            </a:r>
+            <a:r>
+              <a:rPr lang="en-US" dirty="0" smtClean="0"/>
+              <a:t>solutions</a:t>
+            </a:r>
+          </a:p>
+          <a:p>
+            <a:r>
+              <a:rPr lang="en-US" altLang="en-US" dirty="0" smtClean="0"/>
+              <a:t>Disa</a:t>
+            </a:r>
+            <a:r>
+              <a:rPr lang="en-US" dirty="0" smtClean="0"/>
+              <a:t>dvantages </a:t>
+            </a:r>
+            <a:r>
+              <a:rPr lang="en-US" dirty="0"/>
+              <a:t>of COTS </a:t>
+            </a:r>
+            <a:r>
+              <a:rPr lang="en-US" dirty="0" smtClean="0"/>
+              <a:t>solutions</a:t>
+            </a:r>
+          </a:p>
+          <a:p>
+            <a:r>
+              <a:rPr lang="en-US" dirty="0"/>
+              <a:t>How to choose a COTS product?</a:t>
+            </a:r>
+            <a:endParaRPr lang="en-US" dirty="0" smtClean="0"/>
+          </a:p>
+          <a:p>
+            <a:endParaRPr lang="de-DE" altLang="en-US" dirty="0" smtClean="0"/>
+          </a:p>
+          <a:p>
+            <a:endParaRPr lang="de-DE" altLang="en-US" dirty="0"/>
           </a:p>
         </p:txBody>
       </p:sp>
